--- a/Presentation/Presentation.pptx
+++ b/Presentation/Presentation.pptx
@@ -5480,7 +5480,7 @@
             <a:r>
               <a:rPr lang="en-US" dirty="0" smtClean="0">
                 <a:solidFill>
-                  <a:srgbClr val="008000"/>
+                  <a:srgbClr val="FF0000"/>
                 </a:solidFill>
               </a:rPr>
               <a:t>Feature:</a:t>

--- a/Presentation/Presentation.pptx
+++ b/Presentation/Presentation.pptx
@@ -5,10 +5,10 @@
     <p:sldMasterId id="2147483912" r:id="rId1"/>
   </p:sldMasterIdLst>
   <p:notesMasterIdLst>
-    <p:notesMasterId r:id="rId14"/>
+    <p:notesMasterId r:id="rId15"/>
   </p:notesMasterIdLst>
   <p:handoutMasterIdLst>
-    <p:handoutMasterId r:id="rId15"/>
+    <p:handoutMasterId r:id="rId16"/>
   </p:handoutMasterIdLst>
   <p:sldIdLst>
     <p:sldId id="256" r:id="rId2"/>
@@ -20,9 +20,10 @@
     <p:sldId id="259" r:id="rId8"/>
     <p:sldId id="260" r:id="rId9"/>
     <p:sldId id="264" r:id="rId10"/>
-    <p:sldId id="265" r:id="rId11"/>
-    <p:sldId id="266" r:id="rId12"/>
-    <p:sldId id="267" r:id="rId13"/>
+    <p:sldId id="266" r:id="rId11"/>
+    <p:sldId id="267" r:id="rId12"/>
+    <p:sldId id="268" r:id="rId13"/>
+    <p:sldId id="269" r:id="rId14"/>
   </p:sldIdLst>
   <p:sldSz cx="9144000" cy="6858000" type="screen4x3"/>
   <p:notesSz cx="6858000" cy="9144000"/>
@@ -206,7 +207,7 @@
           <a:p>
             <a:fld id="{011ACA2D-98E4-D041-9F24-99626DA145C4}" type="datetimeFigureOut">
               <a:rPr lang="en-US" smtClean="0"/>
-              <a:t>4/26/14</a:t>
+              <a:t>5/5/14</a:t>
             </a:fld>
             <a:endParaRPr lang="en-US"/>
           </a:p>
@@ -372,7 +373,7 @@
           <a:p>
             <a:fld id="{B59DE925-6B2B-1D47-97F5-2F2A1820FFB2}" type="datetimeFigureOut">
               <a:rPr lang="en-US" smtClean="0"/>
-              <a:t>4/26/14</a:t>
+              <a:t>5/5/14</a:t>
             </a:fld>
             <a:endParaRPr lang="en-US"/>
           </a:p>
@@ -834,7 +835,7 @@
           <a:p>
             <a:fld id="{DCF3CC90-B97A-3148-8ACF-759D6BA5937A}" type="datetime4">
               <a:rPr lang="en-US" smtClean="0"/>
-              <a:t>April 26, 2014</a:t>
+              <a:t>May 5, 2014</a:t>
             </a:fld>
             <a:endParaRPr lang="en-US" dirty="0"/>
           </a:p>
@@ -1104,7 +1105,7 @@
           <a:p>
             <a:fld id="{5486D56A-BBF8-2D49-AB1B-0E8FE82EC4A7}" type="datetime4">
               <a:rPr lang="en-US" smtClean="0"/>
-              <a:t>April 26, 2014</a:t>
+              <a:t>May 5, 2014</a:t>
             </a:fld>
             <a:endParaRPr lang="en-US"/>
           </a:p>
@@ -1284,7 +1285,7 @@
           <a:p>
             <a:fld id="{C26851EF-6823-564E-92DE-9302CCA69030}" type="datetime4">
               <a:rPr lang="en-US" smtClean="0"/>
-              <a:t>April 26, 2014</a:t>
+              <a:t>May 5, 2014</a:t>
             </a:fld>
             <a:endParaRPr lang="en-US"/>
           </a:p>
@@ -1454,7 +1455,7 @@
           <a:p>
             <a:fld id="{306A8087-F0A6-3642-ADCE-18C05BEE5AE7}" type="datetime4">
               <a:rPr lang="en-US" smtClean="0"/>
-              <a:t>April 26, 2014</a:t>
+              <a:t>May 5, 2014</a:t>
             </a:fld>
             <a:endParaRPr lang="en-US"/>
           </a:p>
@@ -1708,7 +1709,7 @@
           <a:p>
             <a:fld id="{F6024877-1752-FD41-8163-564B0EB3DCEE}" type="datetime4">
               <a:rPr lang="en-US" smtClean="0"/>
-              <a:t>April 26, 2014</a:t>
+              <a:t>May 5, 2014</a:t>
             </a:fld>
             <a:endParaRPr lang="en-US" dirty="0"/>
           </a:p>
@@ -1996,7 +1997,7 @@
           <a:p>
             <a:fld id="{24F32CB6-0375-4946-BDB6-C8266522FD79}" type="datetime4">
               <a:rPr lang="en-US" smtClean="0"/>
-              <a:t>April 26, 2014</a:t>
+              <a:t>May 5, 2014</a:t>
             </a:fld>
             <a:endParaRPr lang="en-US"/>
           </a:p>
@@ -2440,7 +2441,7 @@
           <a:p>
             <a:fld id="{0B9789D5-5F09-2A4A-89AA-F2C7A5A24567}" type="datetime4">
               <a:rPr lang="en-US" smtClean="0"/>
-              <a:t>April 26, 2014</a:t>
+              <a:t>May 5, 2014</a:t>
             </a:fld>
             <a:endParaRPr lang="en-US"/>
           </a:p>
@@ -2558,7 +2559,7 @@
           <a:p>
             <a:fld id="{E522E612-367B-0F44-BAEC-5B10185B918A}" type="datetime4">
               <a:rPr lang="en-US" smtClean="0"/>
-              <a:t>April 26, 2014</a:t>
+              <a:t>May 5, 2014</a:t>
             </a:fld>
             <a:endParaRPr lang="en-US"/>
           </a:p>
@@ -2653,7 +2654,7 @@
           <a:p>
             <a:fld id="{6C8097E4-FD2D-6340-9E13-E84DAAC8F3C2}" type="datetime4">
               <a:rPr lang="en-US" smtClean="0"/>
-              <a:t>April 26, 2014</a:t>
+              <a:t>May 5, 2014</a:t>
             </a:fld>
             <a:endParaRPr lang="en-US"/>
           </a:p>
@@ -2900,7 +2901,7 @@
           <a:p>
             <a:fld id="{E9E5A90E-99FB-8540-94F9-9BDC4F906ABF}" type="datetime4">
               <a:rPr lang="en-US" smtClean="0"/>
-              <a:t>April 26, 2014</a:t>
+              <a:t>May 5, 2014</a:t>
             </a:fld>
             <a:endParaRPr lang="en-US"/>
           </a:p>
@@ -3199,7 +3200,7 @@
           <a:p>
             <a:fld id="{A599FCE7-D4A1-804E-8F37-63A3DD7F99FE}" type="datetime4">
               <a:rPr lang="en-US" smtClean="0"/>
-              <a:t>April 26, 2014</a:t>
+              <a:t>May 5, 2014</a:t>
             </a:fld>
             <a:endParaRPr lang="en-US"/>
           </a:p>
@@ -3498,7 +3499,7 @@
           <a:p>
             <a:fld id="{D24F06CF-C826-AF4A-8202-5D488D65EB65}" type="datetime4">
               <a:rPr lang="en-US" smtClean="0"/>
-              <a:t>April 26, 2014</a:t>
+              <a:t>May 5, 2014</a:t>
             </a:fld>
             <a:endParaRPr lang="en-US" dirty="0"/>
           </a:p>
@@ -4149,9 +4150,7 @@
         </p:nvSpPr>
         <p:spPr/>
         <p:txBody>
-          <a:bodyPr>
-            <a:normAutofit/>
-          </a:bodyPr>
+          <a:bodyPr/>
           <a:lstStyle/>
           <a:p>
             <a:r>
@@ -4162,8 +4161,8 @@
               <a:rPr lang="en-US" dirty="0" smtClean="0"/>
             </a:br>
             <a:r>
-              <a:rPr lang="en-US" dirty="0" err="1" smtClean="0"/>
-              <a:t>webdriverjs</a:t>
+              <a:rPr lang="en-US" dirty="0" smtClean="0"/>
+              <a:t>zombie</a:t>
             </a:r>
             <a:endParaRPr lang="en-US" dirty="0"/>
           </a:p>
@@ -4186,13 +4185,7 @@
           <a:p>
             <a:r>
               <a:rPr lang="en-US" dirty="0" smtClean="0"/>
-              <a:t>Selenium</a:t>
-            </a:r>
-          </a:p>
-          <a:p>
-            <a:r>
-              <a:rPr lang="en-US" dirty="0" smtClean="0"/>
-              <a:t>Browser specific code</a:t>
+              <a:t>No browser required</a:t>
             </a:r>
           </a:p>
           <a:p>
@@ -4203,16 +4196,23 @@
           </a:p>
           <a:p>
             <a:r>
+              <a:rPr lang="en-US" dirty="0" smtClean="0"/>
+              <a:t>Client-side JavaScript</a:t>
+            </a:r>
+          </a:p>
+          <a:p>
+            <a:r>
+              <a:rPr lang="en-US" dirty="0" smtClean="0"/>
+              <a:t>http</a:t>
+            </a:r>
+            <a:r>
               <a:rPr lang="en-US" dirty="0"/>
-              <a:t>http://</a:t>
+              <a:t>://</a:t>
             </a:r>
             <a:r>
               <a:rPr lang="en-US" dirty="0" err="1"/>
-              <a:t>webdriver.io</a:t>
-            </a:r>
-            <a:endParaRPr lang="en-US" dirty="0"/>
-          </a:p>
-          <a:p>
+              <a:t>zombie.labnotes.org</a:t>
+            </a:r>
             <a:endParaRPr lang="en-US" dirty="0"/>
           </a:p>
         </p:txBody>
@@ -4243,7 +4243,7 @@
     </p:spTree>
     <p:extLst>
       <p:ext uri="{BB962C8B-B14F-4D97-AF65-F5344CB8AC3E}">
-        <p14:creationId xmlns:p14="http://schemas.microsoft.com/office/powerpoint/2010/main" val="2852285914"/>
+        <p14:creationId xmlns:p14="http://schemas.microsoft.com/office/powerpoint/2010/main" val="293249586"/>
       </p:ext>
     </p:extLst>
   </p:cSld>
@@ -4287,14 +4287,7 @@
           <a:p>
             <a:r>
               <a:rPr lang="en-US" dirty="0" smtClean="0"/>
-              <a:t>TDD</a:t>
-            </a:r>
-            <a:br>
-              <a:rPr lang="en-US" dirty="0" smtClean="0"/>
-            </a:br>
-            <a:r>
-              <a:rPr lang="en-US" dirty="0" smtClean="0"/>
-              <a:t>zombie</a:t>
+              <a:t>Our App</a:t>
             </a:r>
             <a:endParaRPr lang="en-US" dirty="0"/>
           </a:p>
@@ -4317,34 +4310,40 @@
           <a:p>
             <a:r>
               <a:rPr lang="en-US" dirty="0" smtClean="0"/>
-              <a:t>No browser required</a:t>
-            </a:r>
-          </a:p>
-          <a:p>
-            <a:r>
-              <a:rPr lang="en-US" dirty="0" smtClean="0"/>
-              <a:t>Runs on Node</a:t>
-            </a:r>
-          </a:p>
-          <a:p>
-            <a:r>
-              <a:rPr lang="en-US" dirty="0" smtClean="0"/>
-              <a:t>Client-side JavaScript</a:t>
-            </a:r>
-          </a:p>
-          <a:p>
-            <a:r>
-              <a:rPr lang="en-US" dirty="0" smtClean="0"/>
-              <a:t>http</a:t>
-            </a:r>
-            <a:r>
-              <a:rPr lang="en-US" dirty="0"/>
-              <a:t>://</a:t>
-            </a:r>
-            <a:r>
-              <a:rPr lang="en-US" dirty="0" err="1"/>
-              <a:t>zombie.labnotes.org</a:t>
-            </a:r>
+              <a:t>Manage exercise list</a:t>
+            </a:r>
+          </a:p>
+          <a:p>
+            <a:r>
+              <a:rPr lang="en-US" dirty="0" smtClean="0"/>
+              <a:t>Display all exercises</a:t>
+            </a:r>
+          </a:p>
+          <a:p>
+            <a:r>
+              <a:rPr lang="en-US" dirty="0" smtClean="0"/>
+              <a:t>Create exercise</a:t>
+            </a:r>
+          </a:p>
+          <a:p>
+            <a:r>
+              <a:rPr lang="en-US" dirty="0" smtClean="0"/>
+              <a:t>Read exercise</a:t>
+            </a:r>
+          </a:p>
+          <a:p>
+            <a:r>
+              <a:rPr lang="en-US" dirty="0" smtClean="0"/>
+              <a:t>Update exercise</a:t>
+            </a:r>
+          </a:p>
+          <a:p>
+            <a:r>
+              <a:rPr lang="en-US" dirty="0" smtClean="0"/>
+              <a:t>Delete exercise</a:t>
+            </a:r>
+          </a:p>
+          <a:p>
             <a:endParaRPr lang="en-US" dirty="0"/>
           </a:p>
         </p:txBody>
@@ -4375,7 +4374,7 @@
     </p:spTree>
     <p:extLst>
       <p:ext uri="{BB962C8B-B14F-4D97-AF65-F5344CB8AC3E}">
-        <p14:creationId xmlns:p14="http://schemas.microsoft.com/office/powerpoint/2010/main" val="293249586"/>
+        <p14:creationId xmlns:p14="http://schemas.microsoft.com/office/powerpoint/2010/main" val="3685985109"/>
       </p:ext>
     </p:extLst>
   </p:cSld>
@@ -4418,8 +4417,8 @@
           <a:lstStyle/>
           <a:p>
             <a:r>
-              <a:rPr lang="en-US" dirty="0" smtClean="0"/>
-              <a:t>Our App</a:t>
+              <a:rPr lang="en-US" dirty="0" err="1" smtClean="0"/>
+              <a:t>STack</a:t>
             </a:r>
             <a:endParaRPr lang="en-US" dirty="0"/>
           </a:p>
@@ -4442,41 +4441,61 @@
           <a:p>
             <a:r>
               <a:rPr lang="en-US" dirty="0" smtClean="0"/>
-              <a:t>Manage exercise list</a:t>
-            </a:r>
-          </a:p>
-          <a:p>
-            <a:r>
-              <a:rPr lang="en-US" dirty="0" smtClean="0"/>
-              <a:t>Display all exercises</a:t>
-            </a:r>
-          </a:p>
-          <a:p>
-            <a:r>
-              <a:rPr lang="en-US" dirty="0" smtClean="0"/>
-              <a:t>Create exercise</a:t>
-            </a:r>
-          </a:p>
-          <a:p>
-            <a:r>
-              <a:rPr lang="en-US" dirty="0" smtClean="0"/>
-              <a:t>Read exercise</a:t>
-            </a:r>
-          </a:p>
-          <a:p>
-            <a:r>
-              <a:rPr lang="en-US" dirty="0" smtClean="0"/>
-              <a:t>Update exercise</a:t>
-            </a:r>
-          </a:p>
-          <a:p>
-            <a:r>
-              <a:rPr lang="en-US" dirty="0" smtClean="0"/>
-              <a:t>Delete exercise</a:t>
-            </a:r>
-          </a:p>
-          <a:p>
-            <a:endParaRPr lang="en-US" dirty="0"/>
+              <a:t>Server</a:t>
+            </a:r>
+          </a:p>
+          <a:p>
+            <a:pPr lvl="1"/>
+            <a:r>
+              <a:rPr lang="en-US" dirty="0" err="1" smtClean="0"/>
+              <a:t>MongoDB</a:t>
+            </a:r>
+            <a:r>
+              <a:rPr lang="en-US" dirty="0" smtClean="0"/>
+              <a:t> – assumed to be running on default port</a:t>
+            </a:r>
+          </a:p>
+          <a:p>
+            <a:pPr lvl="1"/>
+            <a:r>
+              <a:rPr lang="en-US" dirty="0" smtClean="0"/>
+              <a:t>Node server – running on port 8080</a:t>
+            </a:r>
+          </a:p>
+          <a:p>
+            <a:pPr lvl="2"/>
+            <a:r>
+              <a:rPr lang="en-US" dirty="0" err="1" smtClean="0"/>
+              <a:t>Server.js</a:t>
+            </a:r>
+            <a:r>
+              <a:rPr lang="en-US" dirty="0" smtClean="0"/>
+              <a:t> file is provided utilizing Express</a:t>
+            </a:r>
+          </a:p>
+          <a:p>
+            <a:r>
+              <a:rPr lang="en-US" dirty="0" smtClean="0"/>
+              <a:t>Client</a:t>
+            </a:r>
+          </a:p>
+          <a:p>
+            <a:pPr lvl="1"/>
+            <a:r>
+              <a:rPr lang="en-US" dirty="0" err="1" smtClean="0"/>
+              <a:t>jQuery</a:t>
+            </a:r>
+            <a:r>
+              <a:rPr lang="en-US" dirty="0" smtClean="0"/>
+              <a:t> – used for AJAX</a:t>
+            </a:r>
+          </a:p>
+          <a:p>
+            <a:pPr lvl="1"/>
+            <a:r>
+              <a:rPr lang="en-US" dirty="0" smtClean="0"/>
+              <a:t>Mocha – used for testing</a:t>
+            </a:r>
           </a:p>
         </p:txBody>
       </p:sp>
@@ -4506,7 +4525,140 @@
     </p:spTree>
     <p:extLst>
       <p:ext uri="{BB962C8B-B14F-4D97-AF65-F5344CB8AC3E}">
-        <p14:creationId xmlns:p14="http://schemas.microsoft.com/office/powerpoint/2010/main" val="3685985109"/>
+        <p14:creationId xmlns:p14="http://schemas.microsoft.com/office/powerpoint/2010/main" val="4069532890"/>
+      </p:ext>
+    </p:extLst>
+  </p:cSld>
+  <p:clrMapOvr>
+    <a:masterClrMapping/>
+  </p:clrMapOvr>
+</p:sld>
+</file>
+
+<file path=ppt/slides/slide13.xml><?xml version="1.0" encoding="utf-8"?>
+<p:sld xmlns:a="http://schemas.openxmlformats.org/drawingml/2006/main" xmlns:r="http://schemas.openxmlformats.org/officeDocument/2006/relationships" xmlns:p="http://schemas.openxmlformats.org/presentationml/2006/main">
+  <p:cSld>
+    <p:spTree>
+      <p:nvGrpSpPr>
+        <p:cNvPr id="1" name=""/>
+        <p:cNvGrpSpPr/>
+        <p:nvPr/>
+      </p:nvGrpSpPr>
+      <p:grpSpPr>
+        <a:xfrm>
+          <a:off x="0" y="0"/>
+          <a:ext cx="0" cy="0"/>
+          <a:chOff x="0" y="0"/>
+          <a:chExt cx="0" cy="0"/>
+        </a:xfrm>
+      </p:grpSpPr>
+      <p:sp>
+        <p:nvSpPr>
+          <p:cNvPr id="2" name="Title 1"/>
+          <p:cNvSpPr>
+            <a:spLocks noGrp="1"/>
+          </p:cNvSpPr>
+          <p:nvPr>
+            <p:ph type="title"/>
+          </p:nvPr>
+        </p:nvSpPr>
+        <p:spPr/>
+        <p:txBody>
+          <a:bodyPr/>
+          <a:lstStyle/>
+          <a:p>
+            <a:r>
+              <a:rPr lang="en-US" dirty="0" err="1" smtClean="0"/>
+              <a:t>Misc</a:t>
+            </a:r>
+            <a:endParaRPr lang="en-US" dirty="0"/>
+          </a:p>
+        </p:txBody>
+      </p:sp>
+      <p:sp>
+        <p:nvSpPr>
+          <p:cNvPr id="3" name="Content Placeholder 2"/>
+          <p:cNvSpPr>
+            <a:spLocks noGrp="1"/>
+          </p:cNvSpPr>
+          <p:nvPr>
+            <p:ph idx="1"/>
+          </p:nvPr>
+        </p:nvSpPr>
+        <p:spPr/>
+        <p:txBody>
+          <a:bodyPr/>
+          <a:lstStyle/>
+          <a:p>
+            <a:pPr marL="342900" indent="-342900">
+              <a:buFont typeface="Arial"/>
+              <a:buChar char="•"/>
+            </a:pPr>
+            <a:r>
+              <a:rPr lang="en-US" dirty="0" smtClean="0"/>
+              <a:t>Until last branch scripts assume </a:t>
+            </a:r>
+            <a:r>
+              <a:rPr lang="en-US" dirty="0" err="1" smtClean="0"/>
+              <a:t>cucumber.js</a:t>
+            </a:r>
+            <a:r>
+              <a:rPr lang="en-US" dirty="0" smtClean="0"/>
+              <a:t> is installed globally – local path is </a:t>
+            </a:r>
+            <a:r>
+              <a:rPr lang="en-US" dirty="0" err="1" smtClean="0"/>
+              <a:t>npm_modules</a:t>
+            </a:r>
+            <a:r>
+              <a:rPr lang="en-US" dirty="0" smtClean="0"/>
+              <a:t>/cucumber/bin/</a:t>
+            </a:r>
+            <a:r>
+              <a:rPr lang="en-US" smtClean="0"/>
+              <a:t>cucumber.js</a:t>
+            </a:r>
+            <a:endParaRPr lang="en-US" dirty="0" smtClean="0"/>
+          </a:p>
+          <a:p>
+            <a:pPr marL="342900" indent="-342900">
+              <a:buFont typeface="Arial"/>
+              <a:buChar char="•"/>
+            </a:pPr>
+            <a:endParaRPr lang="en-US" dirty="0" smtClean="0"/>
+          </a:p>
+          <a:p>
+            <a:endParaRPr lang="en-US" dirty="0"/>
+          </a:p>
+        </p:txBody>
+      </p:sp>
+      <p:sp>
+        <p:nvSpPr>
+          <p:cNvPr id="4" name="Footer Placeholder 3"/>
+          <p:cNvSpPr>
+            <a:spLocks noGrp="1"/>
+          </p:cNvSpPr>
+          <p:nvPr>
+            <p:ph type="ftr" sz="quarter" idx="11"/>
+          </p:nvPr>
+        </p:nvSpPr>
+        <p:spPr/>
+        <p:txBody>
+          <a:bodyPr/>
+          <a:lstStyle/>
+          <a:p>
+            <a:r>
+              <a:rPr lang="en-US" smtClean="0"/>
+              <a:t>davidr@pervasiveconcepts.com</a:t>
+            </a:r>
+            <a:endParaRPr lang="en-US"/>
+          </a:p>
+        </p:txBody>
+      </p:sp>
+    </p:spTree>
+    <p:extLst>
+      <p:ext uri="{BB962C8B-B14F-4D97-AF65-F5344CB8AC3E}">
+        <p14:creationId xmlns:p14="http://schemas.microsoft.com/office/powerpoint/2010/main" val="1019102219"/>
       </p:ext>
     </p:extLst>
   </p:cSld>
@@ -5480,7 +5632,7 @@
             <a:r>
               <a:rPr lang="en-US" dirty="0" smtClean="0">
                 <a:solidFill>
-                  <a:srgbClr val="FF0000"/>
+                  <a:srgbClr val="D1282E"/>
                 </a:solidFill>
               </a:rPr>
               <a:t>Feature:</a:t>
@@ -5571,14 +5723,26 @@
             <a:r>
               <a:rPr lang="en-US" dirty="0" smtClean="0">
                 <a:solidFill>
+                  <a:srgbClr val="D1282E"/>
+                </a:solidFill>
+              </a:rPr>
+              <a:t>Scenario</a:t>
+            </a:r>
+            <a:r>
+              <a:rPr lang="en-US" dirty="0" smtClean="0">
+                <a:solidFill>
                   <a:srgbClr val="008000"/>
                 </a:solidFill>
               </a:rPr>
-              <a:t>Scenario:</a:t>
-            </a:r>
-            <a:r>
-              <a:rPr lang="en-US" dirty="0" smtClean="0"/>
-              <a:t> Start slide deck</a:t>
+              <a:t>:</a:t>
+            </a:r>
+            <a:r>
+              <a:rPr lang="en-US" dirty="0" smtClean="0"/>
+              <a:t> </a:t>
+            </a:r>
+            <a:r>
+              <a:rPr lang="en-US" dirty="0" smtClean="0"/>
+              <a:t>Start slide deck</a:t>
             </a:r>
           </a:p>
           <a:p>
@@ -5755,8 +5919,19 @@
           <a:p>
             <a:r>
               <a:rPr lang="en-US" dirty="0" smtClean="0"/>
-              <a:t>Supports synchronous and asynchronous testing</a:t>
-            </a:r>
+              <a:t>Supports synchronous and asynchronous </a:t>
+            </a:r>
+            <a:r>
+              <a:rPr lang="en-US" dirty="0" smtClean="0"/>
+              <a:t>testing</a:t>
+            </a:r>
+          </a:p>
+          <a:p>
+            <a:r>
+              <a:rPr lang="en-US" dirty="0" smtClean="0"/>
+              <a:t>Run in browser or command line</a:t>
+            </a:r>
+            <a:endParaRPr lang="en-US" dirty="0" smtClean="0"/>
           </a:p>
           <a:p>
             <a:r>

--- a/Presentation/Presentation.pptx
+++ b/Presentation/Presentation.pptx
@@ -4612,11 +4612,59 @@
             </a:r>
             <a:r>
               <a:rPr lang="en-US" dirty="0" smtClean="0"/>
-              <a:t>/cucumber/bin/</a:t>
-            </a:r>
-            <a:r>
-              <a:rPr lang="en-US" smtClean="0"/>
+              <a:t>/.bin/</a:t>
+            </a:r>
+            <a:r>
+              <a:rPr lang="en-US" dirty="0" err="1" smtClean="0"/>
               <a:t>cucumber.js</a:t>
+            </a:r>
+            <a:endParaRPr lang="en-US" dirty="0" smtClean="0"/>
+          </a:p>
+          <a:p>
+            <a:pPr marL="342900" indent="-342900">
+              <a:buFont typeface="Arial"/>
+              <a:buChar char="•"/>
+            </a:pPr>
+            <a:r>
+              <a:rPr lang="en-US" dirty="0" smtClean="0"/>
+              <a:t>URL for tests in browser </a:t>
+            </a:r>
+            <a:r>
+              <a:rPr lang="en-US" dirty="0"/>
+              <a:t>– </a:t>
+            </a:r>
+            <a:r>
+              <a:rPr lang="en-US" dirty="0">
+                <a:hlinkClick r:id="rId2"/>
+              </a:rPr>
+              <a:t>http://localhost:8080/tests/</a:t>
+            </a:r>
+            <a:r>
+              <a:rPr lang="en-US" dirty="0" smtClean="0">
+                <a:hlinkClick r:id="rId2"/>
+              </a:rPr>
+              <a:t>testExerciseService.html</a:t>
+            </a:r>
+            <a:endParaRPr lang="en-US" dirty="0" smtClean="0"/>
+          </a:p>
+          <a:p>
+            <a:pPr marL="342900" indent="-342900">
+              <a:buFont typeface="Arial"/>
+              <a:buChar char="•"/>
+            </a:pPr>
+            <a:r>
+              <a:rPr lang="en-US" dirty="0" smtClean="0"/>
+              <a:t>URL for </a:t>
+            </a:r>
+            <a:r>
+              <a:rPr lang="en-US" smtClean="0"/>
+              <a:t>app - </a:t>
+            </a:r>
+            <a:r>
+              <a:rPr lang="en-US">
+                <a:hlinkClick r:id="rId2"/>
+              </a:rPr>
+              <a:t>http://localhost:8080</a:t>
             </a:r>
             <a:endParaRPr lang="en-US" dirty="0" smtClean="0"/>
           </a:p>
